--- a/slides/didp-part05a.pptx
+++ b/slides/didp-part05a.pptx
@@ -2791,7 +2791,7 @@
                 <a:latin typeface="Gill Sans"/>
                 <a:cs typeface="Gill Sans"/>
               </a:rPr>
-              <a:t>CS 451/651 (Fall 2018)</a:t>
+              <a:t>CS 431/631 451/651 (Winter 2019)</a:t>
             </a:r>
           </a:p>
         </p:txBody>
@@ -2833,7 +2833,7 @@
                 <a:latin typeface="Gill Sans"/>
                 <a:cs typeface="Gill Sans"/>
               </a:rPr>
-              <a:t>Jimmy Lin</a:t>
+              <a:t>Adam Roegiest</a:t>
             </a:r>
           </a:p>
           <a:p>
@@ -2846,20 +2846,7 @@
                 <a:latin typeface="Gill Sans"/>
                 <a:cs typeface="Gill Sans"/>
               </a:rPr>
-              <a:t>David R. Cheriton School of Computer Science</a:t>
-            </a:r>
-          </a:p>
-          <a:p>
-            <a:pPr algn="ctr" eaLnBrk="1" hangingPunct="1"/>
-            <a:r>
-              <a:rPr lang="en-US" sz="2000" b="0" dirty="0">
-                <a:solidFill>
-                  <a:schemeClr val="bg2"/>
-                </a:solidFill>
-                <a:latin typeface="Gill Sans"/>
-                <a:cs typeface="Gill Sans"/>
-              </a:rPr>
-              <a:t>University of Waterloo</a:t>
+              <a:t>Kira Systems</a:t>
             </a:r>
           </a:p>
         </p:txBody>
@@ -2901,7 +2888,7 @@
                 <a:latin typeface="Gill Sans"/>
                 <a:cs typeface="Gill Sans"/>
               </a:rPr>
-              <a:t>October 16, 2018</a:t>
+              <a:t>February 12, 2019</a:t>
             </a:r>
           </a:p>
         </p:txBody>
@@ -2917,7 +2904,7 @@
         <p:spPr bwMode="auto">
           <a:xfrm>
             <a:off x="1371600" y="5943600"/>
-            <a:ext cx="6327373" cy="369332"/>
+            <a:ext cx="6217984" cy="369332"/>
           </a:xfrm>
           <a:prstGeom prst="rect">
             <a:avLst/>
@@ -2944,35 +2931,8 @@
                 <a:latin typeface="Gill Sans"/>
                 <a:cs typeface="Gill Sans"/>
               </a:rPr>
-              <a:t>These slides are available at http://</a:t>
+              <a:t>These slides are available at http://roegiest.com/bigdata-2019w/</a:t>
             </a:r>
-            <a:r>
-              <a:rPr lang="en-US" sz="1800" b="0" dirty="0" err="1">
-                <a:solidFill>
-                  <a:schemeClr val="bg1"/>
-                </a:solidFill>
-                <a:latin typeface="Gill Sans"/>
-                <a:cs typeface="Gill Sans"/>
-              </a:rPr>
-              <a:t>lintool.github.io</a:t>
-            </a:r>
-            <a:r>
-              <a:rPr lang="en-US" sz="1800" b="0">
-                <a:solidFill>
-                  <a:schemeClr val="bg1"/>
-                </a:solidFill>
-                <a:latin typeface="Gill Sans"/>
-                <a:cs typeface="Gill Sans"/>
-              </a:rPr>
-              <a:t>/bigdata-2018f/</a:t>
-            </a:r>
-            <a:endParaRPr lang="en-US" sz="1800" b="0" dirty="0">
-              <a:solidFill>
-                <a:schemeClr val="bg1"/>
-              </a:solidFill>
-              <a:latin typeface="Gill Sans"/>
-              <a:cs typeface="Gill Sans"/>
-            </a:endParaRPr>
           </a:p>
         </p:txBody>
       </p:sp>
@@ -2985,7 +2945,7 @@
           <p:nvPr/>
         </p:nvPicPr>
         <p:blipFill>
-          <a:blip r:embed="rId3">
+          <a:blip r:embed="rId3" cstate="print">
             <a:extLst>
               <a:ext uri="{28A0092B-C50C-407E-A947-70E740481C1C}">
                 <a14:useLocalDpi xmlns:a14="http://schemas.microsoft.com/office/drawing/2010/main" val="0"/>
@@ -3711,7 +3671,7 @@
           <p:nvPr/>
         </p:nvPicPr>
         <p:blipFill>
-          <a:blip r:embed="rId2">
+          <a:blip r:embed="rId2" cstate="print">
             <a:extLst>
               <a:ext uri="{28A0092B-C50C-407E-A947-70E740481C1C}">
                 <a14:useLocalDpi xmlns:a14="http://schemas.microsoft.com/office/drawing/2010/main" val="0"/>
@@ -3741,7 +3701,7 @@
           <p:nvPr/>
         </p:nvPicPr>
         <p:blipFill>
-          <a:blip r:embed="rId2">
+          <a:blip r:embed="rId2" cstate="print">
             <a:extLst>
               <a:ext uri="{28A0092B-C50C-407E-A947-70E740481C1C}">
                 <a14:useLocalDpi xmlns:a14="http://schemas.microsoft.com/office/drawing/2010/main" val="0"/>
@@ -4630,7 +4590,7 @@
           <p:nvPr/>
         </p:nvPicPr>
         <p:blipFill>
-          <a:blip r:embed="rId3">
+          <a:blip r:embed="rId3" cstate="print">
             <a:extLst>
               <a:ext uri="{28A0092B-C50C-407E-A947-70E740481C1C}">
                 <a14:useLocalDpi xmlns:a14="http://schemas.microsoft.com/office/drawing/2010/main" val="0"/>
@@ -5826,7 +5786,7 @@
           <p:nvPr/>
         </p:nvPicPr>
         <p:blipFill>
-          <a:blip r:embed="rId2">
+          <a:blip r:embed="rId2" cstate="print">
             <a:extLst>
               <a:ext uri="{28A0092B-C50C-407E-A947-70E740481C1C}">
                 <a14:useLocalDpi xmlns:a14="http://schemas.microsoft.com/office/drawing/2010/main" val="0"/>
@@ -5856,7 +5816,7 @@
           <p:nvPr/>
         </p:nvPicPr>
         <p:blipFill>
-          <a:blip r:embed="rId2">
+          <a:blip r:embed="rId2" cstate="print">
             <a:extLst>
               <a:ext uri="{28A0092B-C50C-407E-A947-70E740481C1C}">
                 <a14:useLocalDpi xmlns:a14="http://schemas.microsoft.com/office/drawing/2010/main" val="0"/>
@@ -9290,7 +9250,7 @@
           <p:nvPr/>
         </p:nvPicPr>
         <p:blipFill>
-          <a:blip r:embed="rId2">
+          <a:blip r:embed="rId2" cstate="print">
             <a:extLst>
               <a:ext uri="{28A0092B-C50C-407E-A947-70E740481C1C}">
                 <a14:useLocalDpi xmlns:a14="http://schemas.microsoft.com/office/drawing/2010/main" val="0"/>
@@ -15348,7 +15308,7 @@
           <p:nvPr/>
         </p:nvPicPr>
         <p:blipFill>
-          <a:blip r:embed="rId2">
+          <a:blip r:embed="rId2" cstate="print">
             <a:extLst>
               <a:ext uri="{28A0092B-C50C-407E-A947-70E740481C1C}">
                 <a14:useLocalDpi xmlns:a14="http://schemas.microsoft.com/office/drawing/2010/main" val="0"/>
@@ -15378,7 +15338,7 @@
           <p:nvPr/>
         </p:nvPicPr>
         <p:blipFill>
-          <a:blip r:embed="rId2">
+          <a:blip r:embed="rId2" cstate="print">
             <a:extLst>
               <a:ext uri="{28A0092B-C50C-407E-A947-70E740481C1C}">
                 <a14:useLocalDpi xmlns:a14="http://schemas.microsoft.com/office/drawing/2010/main" val="0"/>
@@ -15408,7 +15368,7 @@
           <p:nvPr/>
         </p:nvPicPr>
         <p:blipFill>
-          <a:blip r:embed="rId2">
+          <a:blip r:embed="rId2" cstate="print">
             <a:extLst>
               <a:ext uri="{28A0092B-C50C-407E-A947-70E740481C1C}">
                 <a14:useLocalDpi xmlns:a14="http://schemas.microsoft.com/office/drawing/2010/main" val="0"/>
@@ -49291,7 +49251,7 @@
           <p:nvPr/>
         </p:nvPicPr>
         <p:blipFill>
-          <a:blip r:embed="rId2">
+          <a:blip r:embed="rId2" cstate="print">
             <a:extLst>
               <a:ext uri="{28A0092B-C50C-407E-A947-70E740481C1C}">
                 <a14:useLocalDpi xmlns:a14="http://schemas.microsoft.com/office/drawing/2010/main" val="0"/>
@@ -49615,7 +49575,7 @@
           <p:nvPr/>
         </p:nvPicPr>
         <p:blipFill>
-          <a:blip r:embed="rId2">
+          <a:blip r:embed="rId2" cstate="print">
             <a:extLst>
               <a:ext uri="{28A0092B-C50C-407E-A947-70E740481C1C}">
                 <a14:useLocalDpi xmlns:a14="http://schemas.microsoft.com/office/drawing/2010/main" val="0"/>
